--- a/Image_Classifcation_keras/Malaria_prediction_Presentation.pptx
+++ b/Image_Classifcation_keras/Malaria_prediction_Presentation.pptx
@@ -209,7 +209,7 @@
           <a:p>
             <a:fld id="{CA9574FB-9513-44D2-95FE-872DA37971B9}" type="datetimeFigureOut">
               <a:rPr lang="en-IN" smtClean="0"/>
-              <a:t>24-02-2020</a:t>
+              <a:t>02-03-2020</a:t>
             </a:fld>
             <a:endParaRPr lang="en-IN"/>
           </a:p>
@@ -659,7 +659,7 @@
             <a:fld id="{1D8BD707-D9CF-40AE-B4C6-C98DA3205C09}" type="datetimeFigureOut">
               <a:rPr lang="en-US" smtClean="0"/>
               <a:pPr/>
-              <a:t>2/24/2020</a:t>
+              <a:t>3/2/2020</a:t>
             </a:fld>
             <a:endParaRPr lang="en-US"/>
           </a:p>
@@ -831,7 +831,7 @@
             <a:fld id="{1D8BD707-D9CF-40AE-B4C6-C98DA3205C09}" type="datetimeFigureOut">
               <a:rPr lang="en-US" smtClean="0"/>
               <a:pPr/>
-              <a:t>2/24/2020</a:t>
+              <a:t>3/2/2020</a:t>
             </a:fld>
             <a:endParaRPr lang="en-US"/>
           </a:p>
@@ -1013,7 +1013,7 @@
             <a:fld id="{1D8BD707-D9CF-40AE-B4C6-C98DA3205C09}" type="datetimeFigureOut">
               <a:rPr lang="en-US" smtClean="0"/>
               <a:pPr/>
-              <a:t>2/24/2020</a:t>
+              <a:t>3/2/2020</a:t>
             </a:fld>
             <a:endParaRPr lang="en-US"/>
           </a:p>
@@ -1185,7 +1185,7 @@
             <a:fld id="{1D8BD707-D9CF-40AE-B4C6-C98DA3205C09}" type="datetimeFigureOut">
               <a:rPr lang="en-US" smtClean="0"/>
               <a:pPr/>
-              <a:t>2/24/2020</a:t>
+              <a:t>3/2/2020</a:t>
             </a:fld>
             <a:endParaRPr lang="en-US"/>
           </a:p>
@@ -1433,7 +1433,7 @@
             <a:fld id="{1D8BD707-D9CF-40AE-B4C6-C98DA3205C09}" type="datetimeFigureOut">
               <a:rPr lang="en-US" smtClean="0"/>
               <a:pPr/>
-              <a:t>2/24/2020</a:t>
+              <a:t>3/2/2020</a:t>
             </a:fld>
             <a:endParaRPr lang="en-US"/>
           </a:p>
@@ -1723,7 +1723,7 @@
             <a:fld id="{1D8BD707-D9CF-40AE-B4C6-C98DA3205C09}" type="datetimeFigureOut">
               <a:rPr lang="en-US" smtClean="0"/>
               <a:pPr/>
-              <a:t>2/24/2020</a:t>
+              <a:t>3/2/2020</a:t>
             </a:fld>
             <a:endParaRPr lang="en-US"/>
           </a:p>
@@ -2152,7 +2152,7 @@
             <a:fld id="{1D8BD707-D9CF-40AE-B4C6-C98DA3205C09}" type="datetimeFigureOut">
               <a:rPr lang="en-US" smtClean="0"/>
               <a:pPr/>
-              <a:t>2/24/2020</a:t>
+              <a:t>3/2/2020</a:t>
             </a:fld>
             <a:endParaRPr lang="en-US"/>
           </a:p>
@@ -2272,7 +2272,7 @@
             <a:fld id="{1D8BD707-D9CF-40AE-B4C6-C98DA3205C09}" type="datetimeFigureOut">
               <a:rPr lang="en-US" smtClean="0"/>
               <a:pPr/>
-              <a:t>2/24/2020</a:t>
+              <a:t>3/2/2020</a:t>
             </a:fld>
             <a:endParaRPr lang="en-US"/>
           </a:p>
@@ -2369,7 +2369,7 @@
             <a:fld id="{1D8BD707-D9CF-40AE-B4C6-C98DA3205C09}" type="datetimeFigureOut">
               <a:rPr lang="en-US" smtClean="0"/>
               <a:pPr/>
-              <a:t>2/24/2020</a:t>
+              <a:t>3/2/2020</a:t>
             </a:fld>
             <a:endParaRPr lang="en-US"/>
           </a:p>
@@ -2648,7 +2648,7 @@
             <a:fld id="{1D8BD707-D9CF-40AE-B4C6-C98DA3205C09}" type="datetimeFigureOut">
               <a:rPr lang="en-US" smtClean="0"/>
               <a:pPr/>
-              <a:t>2/24/2020</a:t>
+              <a:t>3/2/2020</a:t>
             </a:fld>
             <a:endParaRPr lang="en-US"/>
           </a:p>
@@ -2903,7 +2903,7 @@
             <a:fld id="{1D8BD707-D9CF-40AE-B4C6-C98DA3205C09}" type="datetimeFigureOut">
               <a:rPr lang="en-US" smtClean="0"/>
               <a:pPr/>
-              <a:t>2/24/2020</a:t>
+              <a:t>3/2/2020</a:t>
             </a:fld>
             <a:endParaRPr lang="en-US"/>
           </a:p>
@@ -3118,7 +3118,7 @@
             <a:fld id="{1D8BD707-D9CF-40AE-B4C6-C98DA3205C09}" type="datetimeFigureOut">
               <a:rPr lang="en-US" smtClean="0"/>
               <a:pPr/>
-              <a:t>2/24/2020</a:t>
+              <a:t>3/2/2020</a:t>
             </a:fld>
             <a:endParaRPr lang="en-US"/>
           </a:p>
@@ -3777,7 +3777,7 @@
         <p:spPr/>
         <p:txBody>
           <a:bodyPr>
-            <a:normAutofit fontScale="47500" lnSpcReduction="20000"/>
+            <a:normAutofit fontScale="40000" lnSpcReduction="20000"/>
           </a:bodyPr>
           <a:lstStyle/>
           <a:p>
@@ -3785,7 +3785,38 @@
               <a:buNone/>
             </a:pPr>
             <a:r>
-              <a:rPr lang="en-IN" b="1" dirty="0" err="1"/>
+              <a:rPr lang="en-IN" dirty="0" smtClean="0"/>
+              <a:t>We put a few </a:t>
+            </a:r>
+            <a:r>
+              <a:rPr lang="en-IN" dirty="0" err="1" smtClean="0"/>
+              <a:t>callback</a:t>
+            </a:r>
+            <a:r>
+              <a:rPr lang="en-IN" dirty="0" smtClean="0"/>
+              <a:t> functions to keep the model running smooth. The </a:t>
+            </a:r>
+            <a:r>
+              <a:rPr lang="en-IN" dirty="0" err="1" smtClean="0"/>
+              <a:t>earlystopping</a:t>
+            </a:r>
+            <a:r>
+              <a:rPr lang="en-IN" dirty="0" smtClean="0"/>
+              <a:t> function is to stop the training when the validation loss is not improving and model checkpoint is the save the model at the lowest validation loss.</a:t>
+            </a:r>
+          </a:p>
+          <a:p>
+            <a:pPr marL="0" indent="0">
+              <a:buNone/>
+            </a:pPr>
+            <a:endParaRPr lang="en-IN" dirty="0" smtClean="0"/>
+          </a:p>
+          <a:p>
+            <a:pPr marL="0" indent="0">
+              <a:buNone/>
+            </a:pPr>
+            <a:r>
+              <a:rPr lang="en-IN" b="1" dirty="0" err="1" smtClean="0"/>
               <a:t>Earlystopping</a:t>
             </a:r>
             <a:r>
@@ -3999,14 +4030,39 @@
         <p:spPr/>
         <p:txBody>
           <a:bodyPr>
-            <a:normAutofit fontScale="47500" lnSpcReduction="20000"/>
+            <a:normAutofit fontScale="40000" lnSpcReduction="20000"/>
           </a:bodyPr>
           <a:lstStyle/>
           <a:p>
+            <a:pPr marL="0" indent="0" fontAlgn="base">
+              <a:buNone/>
+            </a:pPr>
+            <a:r>
+              <a:rPr lang="en-IN" dirty="0" smtClean="0"/>
+              <a:t>These are the model parameters used in training the model. We are using four layers of image processing steps in this scenario. The activation function used is </a:t>
+            </a:r>
+            <a:r>
+              <a:rPr lang="en-IN" dirty="0" err="1" smtClean="0"/>
+              <a:t>relu</a:t>
+            </a:r>
+            <a:r>
+              <a:rPr lang="en-IN" dirty="0" smtClean="0"/>
+              <a:t> middle layers and sigmoid in final layer.</a:t>
+            </a:r>
+          </a:p>
+          <a:p>
             <a:pPr fontAlgn="base"/>
+            <a:endParaRPr lang="en-IN" dirty="0"/>
+          </a:p>
+          <a:p>
+            <a:pPr fontAlgn="base"/>
+            <a:r>
+              <a:rPr lang="en-IN" dirty="0" smtClean="0"/>
+              <a:t>Input </a:t>
+            </a:r>
             <a:r>
               <a:rPr lang="en-IN" dirty="0"/>
-              <a:t>Input shape = (64,64,3)   #the shape of an image as array</a:t>
+              <a:t>shape = (64,64,3)   #the shape of an image as array</a:t>
             </a:r>
           </a:p>
           <a:p>
@@ -4211,7 +4267,7 @@
         <p:spPr/>
         <p:txBody>
           <a:bodyPr>
-            <a:normAutofit fontScale="62500" lnSpcReduction="20000"/>
+            <a:normAutofit fontScale="47500" lnSpcReduction="20000"/>
           </a:bodyPr>
           <a:lstStyle/>
           <a:p>
@@ -4219,7 +4275,38 @@
               <a:buNone/>
             </a:pPr>
             <a:r>
-              <a:rPr lang="en-IN" b="1" dirty="0"/>
+              <a:rPr lang="en-IN" dirty="0" smtClean="0"/>
+              <a:t>We are using binary </a:t>
+            </a:r>
+            <a:r>
+              <a:rPr lang="en-IN" dirty="0" err="1" smtClean="0"/>
+              <a:t>crossentropy</a:t>
+            </a:r>
+            <a:r>
+              <a:rPr lang="en-IN" dirty="0" smtClean="0"/>
+              <a:t> as a loss function as it is a binary classification. The optimizer used here is </a:t>
+            </a:r>
+            <a:r>
+              <a:rPr lang="en-IN" dirty="0" err="1" smtClean="0"/>
+              <a:t>adam</a:t>
+            </a:r>
+            <a:r>
+              <a:rPr lang="en-IN" dirty="0" smtClean="0"/>
+              <a:t>.</a:t>
+            </a:r>
+          </a:p>
+          <a:p>
+            <a:pPr marL="0" indent="0">
+              <a:buNone/>
+            </a:pPr>
+            <a:endParaRPr lang="en-IN" dirty="0" smtClean="0"/>
+          </a:p>
+          <a:p>
+            <a:pPr marL="0" indent="0">
+              <a:buNone/>
+            </a:pPr>
+            <a:r>
+              <a:rPr lang="en-IN" b="1" dirty="0" smtClean="0"/>
               <a:t>Compile</a:t>
             </a:r>
             <a:endParaRPr lang="en-IN" dirty="0"/>
@@ -4243,10 +4330,40 @@
               <a:t>Optimizer = </a:t>
             </a:r>
             <a:r>
-              <a:rPr lang="en-IN" dirty="0" err="1"/>
+              <a:rPr lang="en-IN" dirty="0" err="1" smtClean="0"/>
               <a:t>adam</a:t>
             </a:r>
-            <a:endParaRPr lang="en-IN" dirty="0"/>
+            <a:r>
+              <a:rPr lang="en-IN" dirty="0" smtClean="0"/>
+              <a:t>  </a:t>
+            </a:r>
+            <a:r>
+              <a:rPr lang="en-IN" sz="2900" dirty="0">
+                <a:solidFill>
+                  <a:schemeClr val="bg1">
+                    <a:lumMod val="50000"/>
+                  </a:schemeClr>
+                </a:solidFill>
+              </a:rPr>
+              <a:t>(</a:t>
+            </a:r>
+            <a:r>
+              <a:rPr lang="en-IN" sz="2900" dirty="0" smtClean="0">
+                <a:solidFill>
+                  <a:schemeClr val="bg1">
+                    <a:lumMod val="50000"/>
+                  </a:schemeClr>
+                </a:solidFill>
+              </a:rPr>
+              <a:t>The learning rate is set to be default.)</a:t>
+            </a:r>
+            <a:endParaRPr lang="en-IN" sz="2900" dirty="0">
+              <a:solidFill>
+                <a:schemeClr val="bg1">
+                  <a:lumMod val="50000"/>
+                </a:schemeClr>
+              </a:solidFill>
+            </a:endParaRPr>
           </a:p>
           <a:p>
             <a:pPr fontAlgn="base"/>
@@ -4315,13 +4432,19 @@
           <a:p>
             <a:pPr fontAlgn="base"/>
             <a:r>
-              <a:rPr lang="en-IN" dirty="0" err="1"/>
+              <a:rPr lang="en-IN" dirty="0" err="1" smtClean="0"/>
               <a:t>use_multiprocessing</a:t>
             </a:r>
             <a:r>
-              <a:rPr lang="en-IN" dirty="0"/>
+              <a:rPr lang="en-IN" dirty="0" smtClean="0"/>
               <a:t>=True</a:t>
             </a:r>
+          </a:p>
+          <a:p>
+            <a:pPr marL="0" indent="0" fontAlgn="base">
+              <a:buNone/>
+            </a:pPr>
+            <a:endParaRPr lang="en-IN" dirty="0"/>
           </a:p>
           <a:p>
             <a:endParaRPr lang="en-IN" dirty="0"/>
@@ -4477,69 +4600,271 @@
           </a:p>
         </p:txBody>
       </p:sp>
-      <p:sp>
-        <p:nvSpPr>
-          <p:cNvPr id="3" name="Content Placeholder 2"/>
-          <p:cNvSpPr>
-            <a:spLocks noGrp="1"/>
-          </p:cNvSpPr>
-          <p:nvPr>
-            <p:ph idx="1"/>
-          </p:nvPr>
-        </p:nvSpPr>
-        <p:spPr/>
-        <p:txBody>
-          <a:bodyPr>
-            <a:normAutofit/>
-          </a:bodyPr>
-          <a:lstStyle/>
-          <a:p>
-            <a:pPr fontAlgn="base"/>
-            <a:r>
-              <a:rPr lang="en-IN" sz="2400" dirty="0" smtClean="0"/>
-              <a:t>Training </a:t>
-            </a:r>
-            <a:r>
-              <a:rPr lang="en-IN" sz="2400" dirty="0"/>
-              <a:t>Accuracy = 0.9416</a:t>
-            </a:r>
-          </a:p>
-          <a:p>
-            <a:pPr fontAlgn="base"/>
-            <a:r>
-              <a:rPr lang="en-IN" sz="2400" dirty="0"/>
-              <a:t>Training Loss = 0.1792</a:t>
-            </a:r>
-          </a:p>
-          <a:p>
-            <a:pPr fontAlgn="base"/>
-            <a:r>
-              <a:rPr lang="en-IN" sz="2400" dirty="0"/>
-              <a:t>Validation Accuracy = 0.9630</a:t>
-            </a:r>
-          </a:p>
-          <a:p>
-            <a:pPr fontAlgn="base"/>
-            <a:r>
-              <a:rPr lang="en-IN" sz="2400" dirty="0"/>
-              <a:t>Validation Loss = 0.1298</a:t>
-            </a:r>
-          </a:p>
-          <a:p>
-            <a:pPr fontAlgn="base"/>
-            <a:r>
-              <a:rPr lang="en-IN" sz="2400" dirty="0"/>
-              <a:t>Testing Accuracy = 0.9506</a:t>
-            </a:r>
-          </a:p>
-          <a:p>
-            <a:r>
-              <a:rPr lang="en-IN" sz="2400" dirty="0"/>
-              <a:t>Testing Loss = 0.1489</a:t>
-            </a:r>
-          </a:p>
-        </p:txBody>
-      </p:sp>
+      <p:graphicFrame>
+        <p:nvGraphicFramePr>
+          <p:cNvPr id="5" name="Table 4"/>
+          <p:cNvGraphicFramePr>
+            <a:graphicFrameLocks noGrp="1"/>
+          </p:cNvGraphicFramePr>
+          <p:nvPr>
+            <p:extLst>
+              <p:ext uri="{D42A27DB-BD31-4B8C-83A1-F6EECF244321}">
+                <p14:modId xmlns:p14="http://schemas.microsoft.com/office/powerpoint/2010/main" val="1547839355"/>
+              </p:ext>
+            </p:extLst>
+          </p:nvPr>
+        </p:nvGraphicFramePr>
+        <p:xfrm>
+          <a:off x="914400" y="971550"/>
+          <a:ext cx="7391400" cy="3581400"/>
+        </p:xfrm>
+        <a:graphic>
+          <a:graphicData uri="http://schemas.openxmlformats.org/drawingml/2006/table">
+            <a:tbl>
+              <a:tblPr firstRow="1" bandRow="1">
+                <a:tableStyleId>{7DF18680-E054-41AD-8BC1-D1AEF772440D}</a:tableStyleId>
+              </a:tblPr>
+              <a:tblGrid>
+                <a:gridCol w="2463800"/>
+                <a:gridCol w="2463800"/>
+                <a:gridCol w="2463800"/>
+              </a:tblGrid>
+              <a:tr h="895350">
+                <a:tc>
+                  <a:txBody>
+                    <a:bodyPr/>
+                    <a:lstStyle/>
+                    <a:p>
+                      <a:pPr algn="ctr"/>
+                      <a:r>
+                        <a:rPr lang="en-IN" dirty="0" smtClean="0">
+                          <a:solidFill>
+                            <a:schemeClr val="accent2"/>
+                          </a:solidFill>
+                        </a:rPr>
+                        <a:t>Model</a:t>
+                      </a:r>
+                      <a:endParaRPr lang="en-IN" dirty="0">
+                        <a:solidFill>
+                          <a:schemeClr val="accent2"/>
+                        </a:solidFill>
+                      </a:endParaRPr>
+                    </a:p>
+                  </a:txBody>
+                  <a:tcPr anchor="ctr"/>
+                </a:tc>
+                <a:tc>
+                  <a:txBody>
+                    <a:bodyPr/>
+                    <a:lstStyle/>
+                    <a:p>
+                      <a:pPr algn="ctr"/>
+                      <a:r>
+                        <a:rPr lang="en-IN" dirty="0" smtClean="0"/>
+                        <a:t>Accuracy</a:t>
+                      </a:r>
+                      <a:endParaRPr lang="en-IN" dirty="0"/>
+                    </a:p>
+                  </a:txBody>
+                  <a:tcPr anchor="ctr"/>
+                </a:tc>
+                <a:tc>
+                  <a:txBody>
+                    <a:bodyPr/>
+                    <a:lstStyle/>
+                    <a:p>
+                      <a:pPr algn="ctr"/>
+                      <a:r>
+                        <a:rPr lang="en-IN" dirty="0" smtClean="0"/>
+                        <a:t>Loss</a:t>
+                      </a:r>
+                      <a:endParaRPr lang="en-IN" dirty="0"/>
+                    </a:p>
+                  </a:txBody>
+                  <a:tcPr anchor="ctr"/>
+                </a:tc>
+              </a:tr>
+              <a:tr h="895350">
+                <a:tc>
+                  <a:txBody>
+                    <a:bodyPr/>
+                    <a:lstStyle/>
+                    <a:p>
+                      <a:pPr algn="ctr"/>
+                      <a:r>
+                        <a:rPr lang="en-IN" dirty="0" smtClean="0">
+                          <a:solidFill>
+                            <a:schemeClr val="accent5">
+                              <a:lumMod val="50000"/>
+                            </a:schemeClr>
+                          </a:solidFill>
+                        </a:rPr>
+                        <a:t>Training</a:t>
+                      </a:r>
+                      <a:endParaRPr lang="en-IN" dirty="0">
+                        <a:solidFill>
+                          <a:schemeClr val="accent5">
+                            <a:lumMod val="50000"/>
+                          </a:schemeClr>
+                        </a:solidFill>
+                      </a:endParaRPr>
+                    </a:p>
+                  </a:txBody>
+                  <a:tcPr anchor="ctr"/>
+                </a:tc>
+                <a:tc>
+                  <a:txBody>
+                    <a:bodyPr/>
+                    <a:lstStyle/>
+                    <a:p>
+                      <a:pPr algn="ctr"/>
+                      <a:r>
+                        <a:rPr lang="en-IN" dirty="0" smtClean="0"/>
+                        <a:t>0.9416</a:t>
+                      </a:r>
+                      <a:endParaRPr lang="en-IN" dirty="0"/>
+                    </a:p>
+                  </a:txBody>
+                  <a:tcPr anchor="ctr"/>
+                </a:tc>
+                <a:tc>
+                  <a:txBody>
+                    <a:bodyPr/>
+                    <a:lstStyle/>
+                    <a:p>
+                      <a:pPr algn="ctr"/>
+                      <a:r>
+                        <a:rPr lang="en-IN" dirty="0" smtClean="0"/>
+                        <a:t>0.1792</a:t>
+                      </a:r>
+                      <a:endParaRPr lang="en-IN" dirty="0"/>
+                    </a:p>
+                  </a:txBody>
+                  <a:tcPr anchor="ctr"/>
+                </a:tc>
+              </a:tr>
+              <a:tr h="895350">
+                <a:tc>
+                  <a:txBody>
+                    <a:bodyPr/>
+                    <a:lstStyle/>
+                    <a:p>
+                      <a:pPr algn="ctr"/>
+                      <a:r>
+                        <a:rPr lang="en-IN" dirty="0" smtClean="0">
+                          <a:solidFill>
+                            <a:schemeClr val="accent5">
+                              <a:lumMod val="50000"/>
+                            </a:schemeClr>
+                          </a:solidFill>
+                        </a:rPr>
+                        <a:t>Validation</a:t>
+                      </a:r>
+                      <a:endParaRPr lang="en-IN" dirty="0">
+                        <a:solidFill>
+                          <a:schemeClr val="accent5">
+                            <a:lumMod val="50000"/>
+                          </a:schemeClr>
+                        </a:solidFill>
+                      </a:endParaRPr>
+                    </a:p>
+                  </a:txBody>
+                  <a:tcPr anchor="ctr"/>
+                </a:tc>
+                <a:tc>
+                  <a:txBody>
+                    <a:bodyPr/>
+                    <a:lstStyle/>
+                    <a:p>
+                      <a:pPr algn="ctr"/>
+                      <a:r>
+                        <a:rPr lang="en-IN" dirty="0" smtClean="0"/>
+                        <a:t>0.9630</a:t>
+                      </a:r>
+                      <a:endParaRPr lang="en-IN" dirty="0"/>
+                    </a:p>
+                  </a:txBody>
+                  <a:tcPr anchor="ctr"/>
+                </a:tc>
+                <a:tc>
+                  <a:txBody>
+                    <a:bodyPr/>
+                    <a:lstStyle/>
+                    <a:p>
+                      <a:pPr algn="ctr"/>
+                      <a:r>
+                        <a:rPr lang="en-IN" dirty="0" smtClean="0"/>
+                        <a:t>0.1298</a:t>
+                      </a:r>
+                      <a:endParaRPr lang="en-IN" dirty="0"/>
+                    </a:p>
+                  </a:txBody>
+                  <a:tcPr anchor="ctr"/>
+                </a:tc>
+              </a:tr>
+              <a:tr h="895350">
+                <a:tc>
+                  <a:txBody>
+                    <a:bodyPr/>
+                    <a:lstStyle/>
+                    <a:p>
+                      <a:pPr algn="ctr"/>
+                      <a:r>
+                        <a:rPr lang="en-IN" dirty="0" smtClean="0">
+                          <a:solidFill>
+                            <a:schemeClr val="accent5">
+                              <a:lumMod val="50000"/>
+                            </a:schemeClr>
+                          </a:solidFill>
+                        </a:rPr>
+                        <a:t>Testing</a:t>
+                      </a:r>
+                      <a:endParaRPr lang="en-IN" dirty="0">
+                        <a:solidFill>
+                          <a:schemeClr val="accent5">
+                            <a:lumMod val="50000"/>
+                          </a:schemeClr>
+                        </a:solidFill>
+                      </a:endParaRPr>
+                    </a:p>
+                  </a:txBody>
+                  <a:tcPr anchor="ctr"/>
+                </a:tc>
+                <a:tc>
+                  <a:txBody>
+                    <a:bodyPr/>
+                    <a:lstStyle/>
+                    <a:p>
+                      <a:pPr algn="ctr"/>
+                      <a:r>
+                        <a:rPr lang="en-IN" dirty="0" smtClean="0"/>
+                        <a:t>0.9506</a:t>
+                      </a:r>
+                      <a:endParaRPr lang="en-IN" dirty="0"/>
+                    </a:p>
+                  </a:txBody>
+                  <a:tcPr anchor="ctr"/>
+                </a:tc>
+                <a:tc>
+                  <a:txBody>
+                    <a:bodyPr/>
+                    <a:lstStyle/>
+                    <a:p>
+                      <a:pPr algn="ctr"/>
+                      <a:r>
+                        <a:rPr lang="en-IN" dirty="0" smtClean="0"/>
+                        <a:t>0.1489</a:t>
+                      </a:r>
+                      <a:endParaRPr lang="en-IN" dirty="0"/>
+                    </a:p>
+                  </a:txBody>
+                  <a:tcPr anchor="ctr"/>
+                </a:tc>
+              </a:tr>
+            </a:tbl>
+          </a:graphicData>
+        </a:graphic>
+      </p:graphicFrame>
     </p:spTree>
     <p:extLst>
       <p:ext uri="{BB962C8B-B14F-4D97-AF65-F5344CB8AC3E}">
@@ -4577,41 +4902,6 @@
           <a:chExt cx="0" cy="0"/>
         </a:xfrm>
       </p:grpSpPr>
-      <p:sp>
-        <p:nvSpPr>
-          <p:cNvPr id="2" name="Title 1"/>
-          <p:cNvSpPr>
-            <a:spLocks noGrp="1"/>
-          </p:cNvSpPr>
-          <p:nvPr>
-            <p:ph type="title"/>
-          </p:nvPr>
-        </p:nvSpPr>
-        <p:spPr/>
-        <p:txBody>
-          <a:bodyPr/>
-          <a:lstStyle/>
-          <a:p>
-            <a:r>
-              <a:rPr lang="en-IN" dirty="0" smtClean="0">
-                <a:solidFill>
-                  <a:schemeClr val="accent5">
-                    <a:lumMod val="75000"/>
-                  </a:schemeClr>
-                </a:solidFill>
-              </a:rPr>
-              <a:t>Training History</a:t>
-            </a:r>
-            <a:endParaRPr lang="en-IN" dirty="0">
-              <a:solidFill>
-                <a:schemeClr val="accent5">
-                  <a:lumMod val="75000"/>
-                </a:schemeClr>
-              </a:solidFill>
-            </a:endParaRPr>
-          </a:p>
-        </p:txBody>
-      </p:sp>
       <p:pic>
         <p:nvPicPr>
           <p:cNvPr id="2050" name="Picture 2" descr="https://lh4.googleusercontent.com/L0b_0yGuX8Xgas3Z8pvAeGoZOUsquFLt7a2jiEc8HKzgj4sjzHiLdbtbuRUp1YExVnwDXfx5FMJ3Msx04dzOZgUj3hTeKt5OUgbo3yJBlBIsOncb7ECeLtf07hzf6h7ZNiNjW0ny"/>
@@ -4653,6 +4943,187 @@
           </a:extLst>
         </p:spPr>
       </p:pic>
+      <p:sp>
+        <p:nvSpPr>
+          <p:cNvPr id="3" name="Rectangle 2"/>
+          <p:cNvSpPr/>
+          <p:nvPr/>
+        </p:nvSpPr>
+        <p:spPr>
+          <a:xfrm>
+            <a:off x="2038302" y="4095750"/>
+            <a:ext cx="628698" cy="276999"/>
+          </a:xfrm>
+          <a:prstGeom prst="rect">
+            <a:avLst/>
+          </a:prstGeom>
+        </p:spPr>
+        <p:txBody>
+          <a:bodyPr wrap="none">
+            <a:spAutoFit/>
+          </a:bodyPr>
+          <a:lstStyle/>
+          <a:p>
+            <a:r>
+              <a:rPr lang="en-IN" sz="1200" dirty="0" smtClean="0"/>
+              <a:t>Epochs</a:t>
+            </a:r>
+          </a:p>
+        </p:txBody>
+      </p:sp>
+      <p:sp>
+        <p:nvSpPr>
+          <p:cNvPr id="5" name="Rectangle 4"/>
+          <p:cNvSpPr/>
+          <p:nvPr/>
+        </p:nvSpPr>
+        <p:spPr>
+          <a:xfrm>
+            <a:off x="6477000" y="4095750"/>
+            <a:ext cx="628698" cy="276999"/>
+          </a:xfrm>
+          <a:prstGeom prst="rect">
+            <a:avLst/>
+          </a:prstGeom>
+        </p:spPr>
+        <p:txBody>
+          <a:bodyPr wrap="none">
+            <a:spAutoFit/>
+          </a:bodyPr>
+          <a:lstStyle/>
+          <a:p>
+            <a:r>
+              <a:rPr lang="en-IN" sz="1200" dirty="0" smtClean="0"/>
+              <a:t>Epochs</a:t>
+            </a:r>
+          </a:p>
+        </p:txBody>
+      </p:sp>
+      <p:sp>
+        <p:nvSpPr>
+          <p:cNvPr id="6" name="Rectangle 5"/>
+          <p:cNvSpPr/>
+          <p:nvPr/>
+        </p:nvSpPr>
+        <p:spPr>
+          <a:xfrm>
+            <a:off x="4507468" y="2300905"/>
+            <a:ext cx="369332" cy="651845"/>
+          </a:xfrm>
+          <a:prstGeom prst="rect">
+            <a:avLst/>
+          </a:prstGeom>
+        </p:spPr>
+        <p:txBody>
+          <a:bodyPr vert="vert270" wrap="none">
+            <a:spAutoFit/>
+          </a:bodyPr>
+          <a:lstStyle/>
+          <a:p>
+            <a:r>
+              <a:rPr lang="en-IN" sz="1200" dirty="0" smtClean="0"/>
+              <a:t>Accuracy</a:t>
+            </a:r>
+          </a:p>
+        </p:txBody>
+      </p:sp>
+      <p:sp>
+        <p:nvSpPr>
+          <p:cNvPr id="7" name="Rectangle 6"/>
+          <p:cNvSpPr/>
+          <p:nvPr/>
+        </p:nvSpPr>
+        <p:spPr>
+          <a:xfrm>
+            <a:off x="76200" y="2495550"/>
+            <a:ext cx="369332" cy="360035"/>
+          </a:xfrm>
+          <a:prstGeom prst="rect">
+            <a:avLst/>
+          </a:prstGeom>
+        </p:spPr>
+        <p:txBody>
+          <a:bodyPr vert="vert270" wrap="none">
+            <a:spAutoFit/>
+          </a:bodyPr>
+          <a:lstStyle/>
+          <a:p>
+            <a:r>
+              <a:rPr lang="en-IN" sz="1200" dirty="0" smtClean="0"/>
+              <a:t>Loss</a:t>
+            </a:r>
+          </a:p>
+        </p:txBody>
+      </p:sp>
+      <p:sp>
+        <p:nvSpPr>
+          <p:cNvPr id="2" name="Title 1"/>
+          <p:cNvSpPr>
+            <a:spLocks noGrp="1"/>
+          </p:cNvSpPr>
+          <p:nvPr>
+            <p:ph type="title"/>
+          </p:nvPr>
+        </p:nvSpPr>
+        <p:spPr>
+          <a:xfrm>
+            <a:off x="457200" y="209550"/>
+            <a:ext cx="8229600" cy="857250"/>
+          </a:xfrm>
+        </p:spPr>
+        <p:txBody>
+          <a:bodyPr/>
+          <a:lstStyle/>
+          <a:p>
+            <a:r>
+              <a:rPr lang="en-IN" dirty="0" smtClean="0">
+                <a:solidFill>
+                  <a:schemeClr val="accent5">
+                    <a:lumMod val="75000"/>
+                  </a:schemeClr>
+                </a:solidFill>
+              </a:rPr>
+              <a:t>Model Training</a:t>
+            </a:r>
+            <a:endParaRPr lang="en-IN" dirty="0">
+              <a:solidFill>
+                <a:schemeClr val="accent5">
+                  <a:lumMod val="75000"/>
+                </a:schemeClr>
+              </a:solidFill>
+            </a:endParaRPr>
+          </a:p>
+        </p:txBody>
+      </p:sp>
+      <p:sp>
+        <p:nvSpPr>
+          <p:cNvPr id="8" name="Rectangle 7"/>
+          <p:cNvSpPr/>
+          <p:nvPr/>
+        </p:nvSpPr>
+        <p:spPr>
+          <a:xfrm>
+            <a:off x="1828800" y="4476750"/>
+            <a:ext cx="5562600" cy="307777"/>
+          </a:xfrm>
+          <a:prstGeom prst="rect">
+            <a:avLst/>
+          </a:prstGeom>
+        </p:spPr>
+        <p:txBody>
+          <a:bodyPr wrap="square">
+            <a:spAutoFit/>
+          </a:bodyPr>
+          <a:lstStyle/>
+          <a:p>
+            <a:r>
+              <a:rPr lang="en-IN" sz="1400" dirty="0" smtClean="0"/>
+              <a:t>The point of best accuracy and minimum loss was loaded for predictions.</a:t>
+            </a:r>
+            <a:endParaRPr lang="en-IN" sz="1400" dirty="0"/>
+          </a:p>
+        </p:txBody>
+      </p:sp>
     </p:spTree>
     <p:extLst>
       <p:ext uri="{BB962C8B-B14F-4D97-AF65-F5344CB8AC3E}">
@@ -4702,7 +5173,7 @@
         </p:nvSpPr>
         <p:spPr>
           <a:xfrm>
-            <a:off x="838200" y="266700"/>
+            <a:off x="838200" y="666750"/>
             <a:ext cx="3352800" cy="857250"/>
           </a:xfrm>
         </p:spPr>
@@ -4755,8 +5226,8 @@
         </p:blipFill>
         <p:spPr bwMode="auto">
           <a:xfrm>
-            <a:off x="228600" y="1200150"/>
-            <a:ext cx="3676650" cy="3248026"/>
+            <a:off x="914400" y="1600200"/>
+            <a:ext cx="2990850" cy="2266950"/>
           </a:xfrm>
           <a:prstGeom prst="rect">
             <a:avLst/>
@@ -4783,7 +5254,7 @@
         </p:nvSpPr>
         <p:spPr>
           <a:xfrm>
-            <a:off x="5029200" y="266700"/>
+            <a:off x="5029200" y="666750"/>
             <a:ext cx="3657600" cy="857250"/>
           </a:xfrm>
           <a:prstGeom prst="rect">
@@ -4854,7 +5325,7 @@
         </p:blipFill>
         <p:spPr bwMode="auto">
           <a:xfrm>
-            <a:off x="4343400" y="1809750"/>
+            <a:off x="4343400" y="1857375"/>
             <a:ext cx="4505325" cy="1476375"/>
           </a:xfrm>
           <a:prstGeom prst="rect">
@@ -4872,6 +5343,133 @@
           </a:extLst>
         </p:spPr>
       </p:pic>
+      <p:sp>
+        <p:nvSpPr>
+          <p:cNvPr id="6" name="Title 1"/>
+          <p:cNvSpPr txBox="1">
+            <a:spLocks/>
+          </p:cNvSpPr>
+          <p:nvPr/>
+        </p:nvSpPr>
+        <p:spPr>
+          <a:xfrm>
+            <a:off x="381000" y="133350"/>
+            <a:ext cx="8229600" cy="857250"/>
+          </a:xfrm>
+          <a:prstGeom prst="rect">
+            <a:avLst/>
+          </a:prstGeom>
+        </p:spPr>
+        <p:txBody>
+          <a:bodyPr vert="horz" lIns="91440" tIns="45720" rIns="91440" bIns="45720" rtlCol="0" anchor="ctr">
+            <a:normAutofit/>
+          </a:bodyPr>
+          <a:lstStyle>
+            <a:lvl1pPr algn="ctr" defTabSz="914400" rtl="0" eaLnBrk="1" latinLnBrk="0" hangingPunct="1">
+              <a:spcBef>
+                <a:spcPct val="0"/>
+              </a:spcBef>
+              <a:buNone/>
+              <a:defRPr sz="4400" kern="1200">
+                <a:solidFill>
+                  <a:schemeClr val="tx1"/>
+                </a:solidFill>
+                <a:latin typeface="+mj-lt"/>
+                <a:ea typeface="+mj-ea"/>
+                <a:cs typeface="+mj-cs"/>
+              </a:defRPr>
+            </a:lvl1pPr>
+          </a:lstStyle>
+          <a:p>
+            <a:r>
+              <a:rPr lang="en-IN" dirty="0" smtClean="0">
+                <a:solidFill>
+                  <a:schemeClr val="accent5">
+                    <a:lumMod val="75000"/>
+                  </a:schemeClr>
+                </a:solidFill>
+              </a:rPr>
+              <a:t>Results</a:t>
+            </a:r>
+            <a:endParaRPr lang="en-IN" dirty="0">
+              <a:solidFill>
+                <a:schemeClr val="accent5">
+                  <a:lumMod val="75000"/>
+                </a:schemeClr>
+              </a:solidFill>
+            </a:endParaRPr>
+          </a:p>
+        </p:txBody>
+      </p:sp>
+      <p:sp>
+        <p:nvSpPr>
+          <p:cNvPr id="3" name="Rectangle 2"/>
+          <p:cNvSpPr/>
+          <p:nvPr/>
+        </p:nvSpPr>
+        <p:spPr>
+          <a:xfrm>
+            <a:off x="228600" y="3979843"/>
+            <a:ext cx="8686800" cy="954107"/>
+          </a:xfrm>
+          <a:prstGeom prst="rect">
+            <a:avLst/>
+          </a:prstGeom>
+        </p:spPr>
+        <p:txBody>
+          <a:bodyPr wrap="square">
+            <a:spAutoFit/>
+          </a:bodyPr>
+          <a:lstStyle/>
+          <a:p>
+            <a:r>
+              <a:rPr lang="en-IN" sz="1400" dirty="0" smtClean="0"/>
+              <a:t>The False positives(84) and False negatives(103) are very low compared to </a:t>
+            </a:r>
+            <a:r>
+              <a:rPr lang="en-IN" sz="1400" dirty="0" err="1" smtClean="0"/>
+              <a:t>Tp</a:t>
+            </a:r>
+            <a:r>
+              <a:rPr lang="en-IN" sz="1400" dirty="0" smtClean="0"/>
+              <a:t> and Tn. But we have to be very careful in </a:t>
+            </a:r>
+            <a:r>
+              <a:rPr lang="en-IN" sz="1400" dirty="0" err="1" smtClean="0"/>
+              <a:t>Fp</a:t>
+            </a:r>
+            <a:r>
+              <a:rPr lang="en-IN" sz="1400" dirty="0" smtClean="0"/>
+              <a:t> and </a:t>
+            </a:r>
+            <a:r>
+              <a:rPr lang="en-IN" sz="1400" dirty="0" err="1" smtClean="0"/>
+              <a:t>Fn</a:t>
+            </a:r>
+            <a:r>
+              <a:rPr lang="en-IN" sz="1400" dirty="0" smtClean="0"/>
+              <a:t> cases as a </a:t>
+            </a:r>
+            <a:r>
+              <a:rPr lang="en-IN" sz="1400" dirty="0" err="1" smtClean="0"/>
+              <a:t>Fp</a:t>
+            </a:r>
+            <a:r>
+              <a:rPr lang="en-IN" sz="1400" dirty="0" smtClean="0"/>
+              <a:t> case will suggest to start treatment when the disease is not present and </a:t>
+            </a:r>
+            <a:r>
+              <a:rPr lang="en-IN" sz="1400" dirty="0" err="1" smtClean="0"/>
+              <a:t>Fn</a:t>
+            </a:r>
+            <a:r>
+              <a:rPr lang="en-IN" sz="1400" dirty="0" smtClean="0"/>
+              <a:t> case will suggest that the patient doesn’t have the disease when in reality the patient is infected. The high precision and recall is a good sign that this method can be used in real scenarios.</a:t>
+            </a:r>
+            <a:endParaRPr lang="en-IN" sz="1400" dirty="0"/>
+          </a:p>
+        </p:txBody>
+      </p:sp>
     </p:spTree>
     <p:extLst>
       <p:ext uri="{BB962C8B-B14F-4D97-AF65-F5344CB8AC3E}">
@@ -4963,7 +5561,15 @@
           <a:p>
             <a:r>
               <a:rPr lang="en-IN" sz="2000" dirty="0"/>
-              <a:t>We have got a good test accuracy of 0.94. The model is with good precision able to successfully predict from the blood cell image if it is infected or not. </a:t>
+              <a:t>We have got a good test accuracy of </a:t>
+            </a:r>
+            <a:r>
+              <a:rPr lang="en-IN" sz="2000" dirty="0" smtClean="0"/>
+              <a:t>0.95. </a:t>
+            </a:r>
+            <a:r>
+              <a:rPr lang="en-IN" sz="2000" dirty="0"/>
+              <a:t>The model is with good precision able to successfully predict from the blood cell image if it is infected or not. </a:t>
             </a:r>
             <a:endParaRPr lang="en-IN" sz="2000" dirty="0" smtClean="0"/>
           </a:p>
@@ -4980,7 +5586,15 @@
           <a:p>
             <a:r>
               <a:rPr lang="en-IN" sz="2000" dirty="0"/>
-              <a:t>The model needs to be updated regularly with new images. This model can be used in integration with other models when other diseases might be present</a:t>
+              <a:t>The </a:t>
+            </a:r>
+            <a:r>
+              <a:rPr lang="en-IN" sz="2000" dirty="0" smtClean="0"/>
+              <a:t>model needs to be updated regularly with new images. This model can be used in integration with other </a:t>
+            </a:r>
+            <a:r>
+              <a:rPr lang="en-IN" sz="2000" dirty="0"/>
+              <a:t>models when other diseases might be present</a:t>
             </a:r>
             <a:r>
               <a:rPr lang="en-IN" sz="2000" dirty="0" smtClean="0"/>
@@ -5743,7 +6357,7 @@
         <p:spPr/>
         <p:txBody>
           <a:bodyPr>
-            <a:normAutofit fontScale="62500" lnSpcReduction="20000"/>
+            <a:normAutofit fontScale="55000" lnSpcReduction="20000"/>
           </a:bodyPr>
           <a:lstStyle/>
           <a:p>
@@ -5809,13 +6423,47 @@
             <a:pPr fontAlgn="base"/>
             <a:r>
               <a:rPr lang="en-IN" dirty="0"/>
-              <a:t>The data is then split in 70-30 ratio. With 70% of data in train and 30% of data in test</a:t>
+              <a:t>The data is then split in 70-30 ratio. With 70% of data in train and 30</a:t>
+            </a:r>
+            <a:r>
+              <a:rPr lang="en-IN" dirty="0" smtClean="0"/>
+              <a:t>% </a:t>
+            </a:r>
+            <a:r>
+              <a:rPr lang="en-IN" dirty="0"/>
+              <a:t>data in test</a:t>
             </a:r>
             <a:r>
               <a:rPr lang="en-IN" dirty="0" smtClean="0"/>
               <a:t>.</a:t>
             </a:r>
-            <a:endParaRPr lang="en-IN" dirty="0"/>
+          </a:p>
+          <a:p>
+            <a:pPr fontAlgn="base"/>
+            <a:r>
+              <a:rPr lang="en-IN" dirty="0"/>
+              <a:t>The model was run in </a:t>
+            </a:r>
+            <a:r>
+              <a:rPr lang="en-IN" dirty="0" err="1"/>
+              <a:t>google</a:t>
+            </a:r>
+            <a:r>
+              <a:rPr lang="en-IN" dirty="0"/>
+              <a:t> </a:t>
+            </a:r>
+            <a:r>
+              <a:rPr lang="en-IN" dirty="0" err="1"/>
+              <a:t>colab</a:t>
+            </a:r>
+            <a:r>
+              <a:rPr lang="en-IN" dirty="0"/>
+              <a:t> due to its high requirement of computing </a:t>
+            </a:r>
+            <a:r>
+              <a:rPr lang="en-IN" dirty="0" smtClean="0"/>
+              <a:t>process</a:t>
+            </a:r>
           </a:p>
         </p:txBody>
       </p:sp>
@@ -5996,6 +6644,170 @@
           </a:extLst>
         </p:spPr>
       </p:pic>
+      <p:cxnSp>
+        <p:nvCxnSpPr>
+          <p:cNvPr id="4" name="Straight Arrow Connector 3"/>
+          <p:cNvCxnSpPr/>
+          <p:nvPr/>
+        </p:nvCxnSpPr>
+        <p:spPr>
+          <a:xfrm flipH="1">
+            <a:off x="8153400" y="2039408"/>
+            <a:ext cx="76200" cy="151342"/>
+          </a:xfrm>
+          <a:prstGeom prst="straightConnector1">
+            <a:avLst/>
+          </a:prstGeom>
+          <a:ln>
+            <a:tailEnd type="arrow"/>
+          </a:ln>
+        </p:spPr>
+        <p:style>
+          <a:lnRef idx="1">
+            <a:schemeClr val="accent1"/>
+          </a:lnRef>
+          <a:fillRef idx="0">
+            <a:schemeClr val="accent1"/>
+          </a:fillRef>
+          <a:effectRef idx="0">
+            <a:schemeClr val="accent1"/>
+          </a:effectRef>
+          <a:fontRef idx="minor">
+            <a:schemeClr val="tx1"/>
+          </a:fontRef>
+        </p:style>
+      </p:cxnSp>
+      <p:cxnSp>
+        <p:nvCxnSpPr>
+          <p:cNvPr id="7" name="Straight Arrow Connector 6"/>
+          <p:cNvCxnSpPr/>
+          <p:nvPr/>
+        </p:nvCxnSpPr>
+        <p:spPr>
+          <a:xfrm flipH="1" flipV="1">
+            <a:off x="8153400" y="2482850"/>
+            <a:ext cx="76200" cy="158749"/>
+          </a:xfrm>
+          <a:prstGeom prst="straightConnector1">
+            <a:avLst/>
+          </a:prstGeom>
+          <a:ln>
+            <a:tailEnd type="arrow"/>
+          </a:ln>
+        </p:spPr>
+        <p:style>
+          <a:lnRef idx="1">
+            <a:schemeClr val="accent1"/>
+          </a:lnRef>
+          <a:fillRef idx="0">
+            <a:schemeClr val="accent1"/>
+          </a:fillRef>
+          <a:effectRef idx="0">
+            <a:schemeClr val="accent1"/>
+          </a:effectRef>
+          <a:fontRef idx="minor">
+            <a:schemeClr val="tx1"/>
+          </a:fontRef>
+        </p:style>
+      </p:cxnSp>
+      <p:sp>
+        <p:nvSpPr>
+          <p:cNvPr id="9" name="Rectangle 8"/>
+          <p:cNvSpPr/>
+          <p:nvPr/>
+        </p:nvSpPr>
+        <p:spPr>
+          <a:xfrm>
+            <a:off x="8153400" y="1745218"/>
+            <a:ext cx="838200" cy="369332"/>
+          </a:xfrm>
+          <a:prstGeom prst="rect">
+            <a:avLst/>
+          </a:prstGeom>
+        </p:spPr>
+        <p:txBody>
+          <a:bodyPr wrap="square">
+            <a:spAutoFit/>
+          </a:bodyPr>
+          <a:lstStyle/>
+          <a:p>
+            <a:pPr fontAlgn="base"/>
+            <a:r>
+              <a:rPr lang="en-IN" sz="900" b="1" dirty="0" smtClean="0">
+                <a:solidFill>
+                  <a:srgbClr val="006699"/>
+                </a:solidFill>
+              </a:rPr>
+              <a:t>PROBABILITY</a:t>
+            </a:r>
+          </a:p>
+          <a:p>
+            <a:pPr fontAlgn="base"/>
+            <a:r>
+              <a:rPr lang="en-IN" sz="900" b="1" dirty="0" smtClean="0">
+                <a:solidFill>
+                  <a:srgbClr val="006699"/>
+                </a:solidFill>
+              </a:rPr>
+              <a:t>OF INFECTED</a:t>
+            </a:r>
+            <a:endParaRPr lang="en-IN" sz="900" b="1" dirty="0">
+              <a:solidFill>
+                <a:srgbClr val="006699"/>
+              </a:solidFill>
+            </a:endParaRPr>
+          </a:p>
+        </p:txBody>
+      </p:sp>
+      <p:sp>
+        <p:nvSpPr>
+          <p:cNvPr id="12" name="Rectangle 11"/>
+          <p:cNvSpPr/>
+          <p:nvPr/>
+        </p:nvSpPr>
+        <p:spPr>
+          <a:xfrm>
+            <a:off x="8171688" y="2571750"/>
+            <a:ext cx="972312" cy="369332"/>
+          </a:xfrm>
+          <a:prstGeom prst="rect">
+            <a:avLst/>
+          </a:prstGeom>
+        </p:spPr>
+        <p:txBody>
+          <a:bodyPr wrap="square">
+            <a:spAutoFit/>
+          </a:bodyPr>
+          <a:lstStyle/>
+          <a:p>
+            <a:pPr fontAlgn="base"/>
+            <a:r>
+              <a:rPr lang="en-IN" sz="900" b="1" dirty="0" smtClean="0">
+                <a:solidFill>
+                  <a:srgbClr val="006699"/>
+                </a:solidFill>
+              </a:rPr>
+              <a:t>PROBABILITY</a:t>
+            </a:r>
+          </a:p>
+          <a:p>
+            <a:pPr fontAlgn="base"/>
+            <a:r>
+              <a:rPr lang="en-IN" sz="900" b="1" dirty="0" smtClean="0">
+                <a:solidFill>
+                  <a:srgbClr val="006699"/>
+                </a:solidFill>
+              </a:rPr>
+              <a:t>OF UNINFECTED</a:t>
+            </a:r>
+            <a:endParaRPr lang="en-IN" sz="900" b="1" dirty="0">
+              <a:solidFill>
+                <a:srgbClr val="006699"/>
+              </a:solidFill>
+            </a:endParaRPr>
+          </a:p>
+        </p:txBody>
+      </p:sp>
     </p:spTree>
     <p:extLst>
       <p:ext uri="{BB962C8B-B14F-4D97-AF65-F5344CB8AC3E}">
@@ -6152,7 +6964,12 @@
             <p:ph idx="1"/>
           </p:nvPr>
         </p:nvSpPr>
-        <p:spPr/>
+        <p:spPr>
+          <a:xfrm>
+            <a:off x="457200" y="971550"/>
+            <a:ext cx="8229600" cy="3394472"/>
+          </a:xfrm>
+        </p:spPr>
         <p:txBody>
           <a:bodyPr>
             <a:noAutofit/>
@@ -6163,109 +6980,239 @@
               <a:buNone/>
             </a:pPr>
             <a:r>
-              <a:rPr lang="en-IN" sz="2000" b="1" dirty="0"/>
-              <a:t>Train:</a:t>
-            </a:r>
-          </a:p>
-          <a:p>
-            <a:pPr fontAlgn="base"/>
-            <a:r>
-              <a:rPr lang="en-IN" sz="2000" dirty="0"/>
+              <a:rPr lang="en-IN" sz="1600" dirty="0" smtClean="0"/>
+              <a:t>We have done data augmentation to create similar images with a bit of distortions like zooming, flipping the image. This makes the model more robust against the new images.</a:t>
+            </a:r>
+          </a:p>
+          <a:p>
+            <a:pPr marL="0" indent="0">
+              <a:spcBef>
+                <a:spcPts val="0"/>
+              </a:spcBef>
+              <a:buNone/>
+            </a:pPr>
+            <a:endParaRPr lang="en-IN" sz="1800" b="1" dirty="0" smtClean="0"/>
+          </a:p>
+          <a:p>
+            <a:pPr marL="0" indent="0">
+              <a:spcBef>
+                <a:spcPts val="0"/>
+              </a:spcBef>
+              <a:buNone/>
+            </a:pPr>
+            <a:r>
+              <a:rPr lang="en-IN" sz="1600" b="1" dirty="0" smtClean="0"/>
+              <a:t>Train</a:t>
+            </a:r>
+            <a:r>
+              <a:rPr lang="en-IN" sz="1600" b="1" dirty="0"/>
+              <a:t>:</a:t>
+            </a:r>
+          </a:p>
+          <a:p>
+            <a:pPr fontAlgn="base">
+              <a:spcBef>
+                <a:spcPts val="0"/>
+              </a:spcBef>
+            </a:pPr>
+            <a:r>
+              <a:rPr lang="en-IN" sz="1600" dirty="0"/>
               <a:t>r</a:t>
             </a:r>
             <a:r>
-              <a:rPr lang="en-IN" sz="2000" dirty="0" smtClean="0"/>
+              <a:rPr lang="en-IN" sz="1600" dirty="0" smtClean="0"/>
               <a:t>escale = 1</a:t>
             </a:r>
             <a:r>
-              <a:rPr lang="en-IN" sz="2000" dirty="0"/>
+              <a:rPr lang="en-IN" sz="1600" dirty="0"/>
               <a:t>./255,</a:t>
             </a:r>
           </a:p>
           <a:p>
-            <a:pPr fontAlgn="base"/>
-            <a:r>
-              <a:rPr lang="en-IN" sz="2000" dirty="0" err="1"/>
+            <a:pPr fontAlgn="base">
+              <a:spcBef>
+                <a:spcPts val="0"/>
+              </a:spcBef>
+            </a:pPr>
+            <a:r>
+              <a:rPr lang="en-IN" sz="1600" dirty="0" err="1"/>
               <a:t>shear_range</a:t>
             </a:r>
             <a:r>
-              <a:rPr lang="en-IN" sz="2000" dirty="0" smtClean="0"/>
+              <a:rPr lang="en-IN" sz="1600" dirty="0" smtClean="0"/>
               <a:t>= 0.2</a:t>
             </a:r>
             <a:r>
-              <a:rPr lang="en-IN" sz="2000" dirty="0"/>
+              <a:rPr lang="en-IN" sz="1600" dirty="0"/>
               <a:t>,  </a:t>
             </a:r>
           </a:p>
           <a:p>
-            <a:pPr fontAlgn="base"/>
-            <a:r>
-              <a:rPr lang="en-IN" sz="2000" dirty="0" err="1"/>
+            <a:pPr fontAlgn="base">
+              <a:spcBef>
+                <a:spcPts val="0"/>
+              </a:spcBef>
+            </a:pPr>
+            <a:r>
+              <a:rPr lang="en-IN" sz="1600" dirty="0" err="1"/>
               <a:t>zoom_range</a:t>
             </a:r>
             <a:r>
-              <a:rPr lang="en-IN" sz="2000" dirty="0" smtClean="0"/>
+              <a:rPr lang="en-IN" sz="1600" dirty="0" smtClean="0"/>
               <a:t>= 0.2</a:t>
             </a:r>
             <a:r>
-              <a:rPr lang="en-IN" sz="2000" dirty="0"/>
+              <a:rPr lang="en-IN" sz="1600" dirty="0"/>
               <a:t>,        </a:t>
             </a:r>
           </a:p>
           <a:p>
-            <a:pPr fontAlgn="base"/>
-            <a:r>
-              <a:rPr lang="en-IN" sz="2000" dirty="0" err="1"/>
+            <a:pPr fontAlgn="base">
+              <a:spcBef>
+                <a:spcPts val="0"/>
+              </a:spcBef>
+            </a:pPr>
+            <a:r>
+              <a:rPr lang="en-IN" sz="1600" dirty="0" err="1"/>
               <a:t>horizontal_flip</a:t>
             </a:r>
             <a:r>
-              <a:rPr lang="en-IN" sz="2000" dirty="0" smtClean="0"/>
+              <a:rPr lang="en-IN" sz="1600" dirty="0" smtClean="0"/>
               <a:t>= True</a:t>
             </a:r>
             <a:r>
-              <a:rPr lang="en-IN" sz="2000" dirty="0"/>
+              <a:rPr lang="en-IN" sz="1600" dirty="0"/>
               <a:t>,</a:t>
             </a:r>
           </a:p>
           <a:p>
-            <a:pPr fontAlgn="base"/>
-            <a:r>
-              <a:rPr lang="en-IN" sz="2000" dirty="0" err="1"/>
+            <a:pPr fontAlgn="base">
+              <a:spcBef>
+                <a:spcPts val="0"/>
+              </a:spcBef>
+            </a:pPr>
+            <a:r>
+              <a:rPr lang="en-IN" sz="1600" dirty="0" err="1"/>
               <a:t>vertical_flip</a:t>
             </a:r>
             <a:r>
-              <a:rPr lang="en-IN" sz="2000" dirty="0" smtClean="0"/>
-              <a:t>= True</a:t>
-            </a:r>
-            <a:endParaRPr lang="en-IN" sz="2000" dirty="0"/>
-          </a:p>
-          <a:p>
-            <a:pPr marL="0" indent="0">
-              <a:buNone/>
+              <a:rPr lang="en-IN" sz="1600" dirty="0" smtClean="0"/>
+              <a:t>= </a:t>
+            </a:r>
+            <a:r>
+              <a:rPr lang="en-IN" sz="1600" dirty="0" smtClean="0"/>
+              <a:t>True</a:t>
+            </a:r>
+          </a:p>
+          <a:p>
+            <a:pPr fontAlgn="base">
+              <a:spcBef>
+                <a:spcPts val="0"/>
+              </a:spcBef>
             </a:pPr>
             <a:r>
-              <a:rPr lang="en-IN" sz="2000" dirty="0"/>
-              <a:t/>
-            </a:r>
-            <a:br>
-              <a:rPr lang="en-IN" sz="2000" dirty="0"/>
-            </a:br>
-            <a:r>
-              <a:rPr lang="en-IN" sz="2000" b="1" dirty="0"/>
-              <a:t>Validation/Test:</a:t>
-            </a:r>
-          </a:p>
-          <a:p>
-            <a:pPr fontAlgn="base"/>
-            <a:r>
-              <a:rPr lang="en-IN" sz="2000" dirty="0"/>
+              <a:rPr lang="en-IN" sz="1600" dirty="0"/>
+              <a:t>s</a:t>
+            </a:r>
+            <a:r>
+              <a:rPr lang="en-IN" sz="1600" dirty="0" smtClean="0"/>
+              <a:t>huffle = False</a:t>
+            </a:r>
+          </a:p>
+          <a:p>
+            <a:pPr marL="0" indent="0" fontAlgn="base">
+              <a:spcBef>
+                <a:spcPts val="0"/>
+              </a:spcBef>
+              <a:buNone/>
+            </a:pPr>
+            <a:endParaRPr lang="en-IN" sz="1600" dirty="0"/>
+          </a:p>
+          <a:p>
+            <a:pPr marL="0" indent="0" fontAlgn="base">
+              <a:spcBef>
+                <a:spcPts val="0"/>
+              </a:spcBef>
+              <a:buNone/>
+            </a:pPr>
+            <a:r>
+              <a:rPr lang="en-IN" sz="1600" b="1" dirty="0" smtClean="0"/>
+              <a:t>Validation/Test</a:t>
+            </a:r>
+            <a:r>
+              <a:rPr lang="en-IN" sz="1600" b="1" dirty="0"/>
+              <a:t>:</a:t>
+            </a:r>
+          </a:p>
+          <a:p>
+            <a:pPr fontAlgn="base">
+              <a:spcBef>
+                <a:spcPts val="0"/>
+              </a:spcBef>
+            </a:pPr>
+            <a:r>
+              <a:rPr lang="en-IN" sz="1600" dirty="0"/>
               <a:t>rescale=1./</a:t>
             </a:r>
             <a:r>
-              <a:rPr lang="en-IN" sz="2000" dirty="0" smtClean="0"/>
+              <a:rPr lang="en-IN" sz="1600" dirty="0" smtClean="0"/>
               <a:t>255</a:t>
             </a:r>
-            <a:endParaRPr lang="en-IN" sz="2000" dirty="0"/>
+            <a:endParaRPr lang="en-IN" sz="1800" dirty="0" smtClean="0"/>
+          </a:p>
+          <a:p>
+            <a:pPr marL="0" indent="0" fontAlgn="base">
+              <a:spcBef>
+                <a:spcPts val="0"/>
+              </a:spcBef>
+              <a:buNone/>
+            </a:pPr>
+            <a:endParaRPr lang="en-IN" sz="1200" b="1" dirty="0" smtClean="0"/>
+          </a:p>
+          <a:p>
+            <a:pPr marL="0" indent="0" fontAlgn="base">
+              <a:spcBef>
+                <a:spcPts val="0"/>
+              </a:spcBef>
+              <a:buNone/>
+            </a:pPr>
+            <a:r>
+              <a:rPr lang="en-IN" sz="1200" b="1" dirty="0" smtClean="0"/>
+              <a:t>Note</a:t>
+            </a:r>
+            <a:r>
+              <a:rPr lang="en-IN" sz="1200" b="1" dirty="0"/>
+              <a:t>:</a:t>
+            </a:r>
+            <a:r>
+              <a:rPr lang="en-IN" sz="1200" dirty="0"/>
+              <a:t> Because the shuffle parameter in data augmentation is True by default the recall was low initially. We have to put False in Shuffle so we can get the proper labels when we are testing against prediction</a:t>
+            </a:r>
+            <a:r>
+              <a:rPr lang="en-IN" sz="1200" dirty="0" smtClean="0"/>
+              <a:t>.</a:t>
+            </a:r>
+          </a:p>
+          <a:p>
+            <a:pPr marL="0" indent="0" fontAlgn="base">
+              <a:spcBef>
+                <a:spcPts val="0"/>
+              </a:spcBef>
+              <a:buNone/>
+            </a:pPr>
+            <a:r>
+              <a:rPr lang="en-IN" sz="1400" dirty="0"/>
+              <a:t>These parameters and </a:t>
+            </a:r>
+            <a:r>
+              <a:rPr lang="en-IN" sz="1400" dirty="0"/>
+              <a:t>following parameters are finalized after multiple values were iterated</a:t>
+            </a:r>
+            <a:r>
+              <a:rPr lang="en-IN" sz="1400" dirty="0"/>
+              <a:t>.</a:t>
+            </a:r>
+            <a:endParaRPr lang="en-IN" sz="1400" dirty="0"/>
           </a:p>
         </p:txBody>
       </p:sp>

--- a/Image_Classifcation_keras/Malaria_prediction_Presentation.pptx
+++ b/Image_Classifcation_keras/Malaria_prediction_Presentation.pptx
@@ -209,7 +209,7 @@
           <a:p>
             <a:fld id="{CA9574FB-9513-44D2-95FE-872DA37971B9}" type="datetimeFigureOut">
               <a:rPr lang="en-IN" smtClean="0"/>
-              <a:t>02-03-2020</a:t>
+              <a:t>05-03-2020</a:t>
             </a:fld>
             <a:endParaRPr lang="en-IN"/>
           </a:p>
@@ -659,7 +659,7 @@
             <a:fld id="{1D8BD707-D9CF-40AE-B4C6-C98DA3205C09}" type="datetimeFigureOut">
               <a:rPr lang="en-US" smtClean="0"/>
               <a:pPr/>
-              <a:t>3/2/2020</a:t>
+              <a:t>3/5/2020</a:t>
             </a:fld>
             <a:endParaRPr lang="en-US"/>
           </a:p>
@@ -831,7 +831,7 @@
             <a:fld id="{1D8BD707-D9CF-40AE-B4C6-C98DA3205C09}" type="datetimeFigureOut">
               <a:rPr lang="en-US" smtClean="0"/>
               <a:pPr/>
-              <a:t>3/2/2020</a:t>
+              <a:t>3/5/2020</a:t>
             </a:fld>
             <a:endParaRPr lang="en-US"/>
           </a:p>
@@ -1013,7 +1013,7 @@
             <a:fld id="{1D8BD707-D9CF-40AE-B4C6-C98DA3205C09}" type="datetimeFigureOut">
               <a:rPr lang="en-US" smtClean="0"/>
               <a:pPr/>
-              <a:t>3/2/2020</a:t>
+              <a:t>3/5/2020</a:t>
             </a:fld>
             <a:endParaRPr lang="en-US"/>
           </a:p>
@@ -1185,7 +1185,7 @@
             <a:fld id="{1D8BD707-D9CF-40AE-B4C6-C98DA3205C09}" type="datetimeFigureOut">
               <a:rPr lang="en-US" smtClean="0"/>
               <a:pPr/>
-              <a:t>3/2/2020</a:t>
+              <a:t>3/5/2020</a:t>
             </a:fld>
             <a:endParaRPr lang="en-US"/>
           </a:p>
@@ -1433,7 +1433,7 @@
             <a:fld id="{1D8BD707-D9CF-40AE-B4C6-C98DA3205C09}" type="datetimeFigureOut">
               <a:rPr lang="en-US" smtClean="0"/>
               <a:pPr/>
-              <a:t>3/2/2020</a:t>
+              <a:t>3/5/2020</a:t>
             </a:fld>
             <a:endParaRPr lang="en-US"/>
           </a:p>
@@ -1723,7 +1723,7 @@
             <a:fld id="{1D8BD707-D9CF-40AE-B4C6-C98DA3205C09}" type="datetimeFigureOut">
               <a:rPr lang="en-US" smtClean="0"/>
               <a:pPr/>
-              <a:t>3/2/2020</a:t>
+              <a:t>3/5/2020</a:t>
             </a:fld>
             <a:endParaRPr lang="en-US"/>
           </a:p>
@@ -2152,7 +2152,7 @@
             <a:fld id="{1D8BD707-D9CF-40AE-B4C6-C98DA3205C09}" type="datetimeFigureOut">
               <a:rPr lang="en-US" smtClean="0"/>
               <a:pPr/>
-              <a:t>3/2/2020</a:t>
+              <a:t>3/5/2020</a:t>
             </a:fld>
             <a:endParaRPr lang="en-US"/>
           </a:p>
@@ -2272,7 +2272,7 @@
             <a:fld id="{1D8BD707-D9CF-40AE-B4C6-C98DA3205C09}" type="datetimeFigureOut">
               <a:rPr lang="en-US" smtClean="0"/>
               <a:pPr/>
-              <a:t>3/2/2020</a:t>
+              <a:t>3/5/2020</a:t>
             </a:fld>
             <a:endParaRPr lang="en-US"/>
           </a:p>
@@ -2369,7 +2369,7 @@
             <a:fld id="{1D8BD707-D9CF-40AE-B4C6-C98DA3205C09}" type="datetimeFigureOut">
               <a:rPr lang="en-US" smtClean="0"/>
               <a:pPr/>
-              <a:t>3/2/2020</a:t>
+              <a:t>3/5/2020</a:t>
             </a:fld>
             <a:endParaRPr lang="en-US"/>
           </a:p>
@@ -2648,7 +2648,7 @@
             <a:fld id="{1D8BD707-D9CF-40AE-B4C6-C98DA3205C09}" type="datetimeFigureOut">
               <a:rPr lang="en-US" smtClean="0"/>
               <a:pPr/>
-              <a:t>3/2/2020</a:t>
+              <a:t>3/5/2020</a:t>
             </a:fld>
             <a:endParaRPr lang="en-US"/>
           </a:p>
@@ -2903,7 +2903,7 @@
             <a:fld id="{1D8BD707-D9CF-40AE-B4C6-C98DA3205C09}" type="datetimeFigureOut">
               <a:rPr lang="en-US" smtClean="0"/>
               <a:pPr/>
-              <a:t>3/2/2020</a:t>
+              <a:t>3/5/2020</a:t>
             </a:fld>
             <a:endParaRPr lang="en-US"/>
           </a:p>
@@ -3118,7 +3118,7 @@
             <a:fld id="{1D8BD707-D9CF-40AE-B4C6-C98DA3205C09}" type="datetimeFigureOut">
               <a:rPr lang="en-US" smtClean="0"/>
               <a:pPr/>
-              <a:t>3/2/2020</a:t>
+              <a:t>3/5/2020</a:t>
             </a:fld>
             <a:endParaRPr lang="en-US"/>
           </a:p>
@@ -5785,7 +5785,15 @@
             </a:r>
             <a:r>
               <a:rPr lang="en-IN" sz="2400" dirty="0"/>
-              <a:t>solve with the best accuracy by detecting and deploying Image Cells that contain Malaria or not</a:t>
+              <a:t>solve with the best accuracy by detecting </a:t>
+            </a:r>
+            <a:r>
+              <a:rPr lang="en-IN" sz="2400" dirty="0" smtClean="0"/>
+              <a:t>Image </a:t>
+            </a:r>
+            <a:r>
+              <a:rPr lang="en-IN" sz="2400" dirty="0"/>
+              <a:t>Cells that contain Malaria or not</a:t>
             </a:r>
             <a:r>
               <a:rPr lang="en-IN" sz="2400" dirty="0" smtClean="0"/>
@@ -6005,7 +6013,7 @@
                   </a:schemeClr>
                 </a:solidFill>
               </a:rPr>
-              <a:t>Images</a:t>
+              <a:t>Sample Images</a:t>
             </a:r>
             <a:endParaRPr lang="en-IN" dirty="0">
               <a:solidFill>
@@ -6818,6 +6826,13 @@
   <p:clrMapOvr>
     <a:masterClrMapping/>
   </p:clrMapOvr>
+  <p:timing>
+    <p:tnLst>
+      <p:par>
+        <p:cTn id="1" dur="indefinite" restart="never" nodeType="tmRoot"/>
+      </p:par>
+    </p:tnLst>
+  </p:timing>
 </p:sld>
 </file>
 
@@ -6967,7 +6982,7 @@
         <p:spPr>
           <a:xfrm>
             <a:off x="457200" y="971550"/>
-            <a:ext cx="8229600" cy="3394472"/>
+            <a:ext cx="8229600" cy="3657600"/>
           </a:xfrm>
         </p:spPr>
         <p:txBody>
@@ -6981,8 +6996,18 @@
             </a:pPr>
             <a:r>
               <a:rPr lang="en-IN" sz="1600" dirty="0" smtClean="0"/>
-              <a:t>We have done data augmentation to create similar images with a bit of distortions like zooming, flipping the image. This makes the model more robust against the new images.</a:t>
-            </a:r>
+              <a:t>We have done data augmentation to create similar images with a bit of distortions like zooming, flipping the image. This makes the model more robust against the new images</a:t>
+            </a:r>
+            <a:r>
+              <a:rPr lang="en-IN" sz="1600" dirty="0" smtClean="0"/>
+              <a:t>.</a:t>
+            </a:r>
+          </a:p>
+          <a:p>
+            <a:pPr marL="0" indent="0">
+              <a:buNone/>
+            </a:pPr>
+            <a:endParaRPr lang="en-IN" sz="1050" b="1" dirty="0" smtClean="0"/>
           </a:p>
           <a:p>
             <a:pPr marL="0" indent="0">
@@ -6991,21 +7016,12 @@
               </a:spcBef>
               <a:buNone/>
             </a:pPr>
-            <a:endParaRPr lang="en-IN" sz="1800" b="1" dirty="0" smtClean="0"/>
-          </a:p>
-          <a:p>
-            <a:pPr marL="0" indent="0">
-              <a:spcBef>
-                <a:spcPts val="0"/>
-              </a:spcBef>
-              <a:buNone/>
-            </a:pPr>
-            <a:r>
-              <a:rPr lang="en-IN" sz="1600" b="1" dirty="0" smtClean="0"/>
+            <a:r>
+              <a:rPr lang="en-IN" sz="1400" b="1" dirty="0" smtClean="0"/>
               <a:t>Train</a:t>
             </a:r>
             <a:r>
-              <a:rPr lang="en-IN" sz="1600" b="1" dirty="0"/>
+              <a:rPr lang="en-IN" sz="1400" b="1" dirty="0"/>
               <a:t>:</a:t>
             </a:r>
           </a:p>
@@ -7016,15 +7032,15 @@
               </a:spcBef>
             </a:pPr>
             <a:r>
-              <a:rPr lang="en-IN" sz="1600" dirty="0"/>
+              <a:rPr lang="en-IN" sz="1400" dirty="0"/>
               <a:t>r</a:t>
             </a:r>
             <a:r>
-              <a:rPr lang="en-IN" sz="1600" dirty="0" smtClean="0"/>
+              <a:rPr lang="en-IN" sz="1400" dirty="0" smtClean="0"/>
               <a:t>escale = 1</a:t>
             </a:r>
             <a:r>
-              <a:rPr lang="en-IN" sz="1600" dirty="0"/>
+              <a:rPr lang="en-IN" sz="1400" dirty="0"/>
               <a:t>./255,</a:t>
             </a:r>
           </a:p>
@@ -7035,15 +7051,15 @@
               </a:spcBef>
             </a:pPr>
             <a:r>
-              <a:rPr lang="en-IN" sz="1600" dirty="0" err="1"/>
+              <a:rPr lang="en-IN" sz="1400" dirty="0" err="1"/>
               <a:t>shear_range</a:t>
             </a:r>
             <a:r>
-              <a:rPr lang="en-IN" sz="1600" dirty="0" smtClean="0"/>
+              <a:rPr lang="en-IN" sz="1400" dirty="0" smtClean="0"/>
               <a:t>= 0.2</a:t>
             </a:r>
             <a:r>
-              <a:rPr lang="en-IN" sz="1600" dirty="0"/>
+              <a:rPr lang="en-IN" sz="1400" dirty="0"/>
               <a:t>,  </a:t>
             </a:r>
           </a:p>
@@ -7054,15 +7070,15 @@
               </a:spcBef>
             </a:pPr>
             <a:r>
-              <a:rPr lang="en-IN" sz="1600" dirty="0" err="1"/>
+              <a:rPr lang="en-IN" sz="1400" dirty="0" err="1"/>
               <a:t>zoom_range</a:t>
             </a:r>
             <a:r>
-              <a:rPr lang="en-IN" sz="1600" dirty="0" smtClean="0"/>
+              <a:rPr lang="en-IN" sz="1400" dirty="0" smtClean="0"/>
               <a:t>= 0.2</a:t>
             </a:r>
             <a:r>
-              <a:rPr lang="en-IN" sz="1600" dirty="0"/>
+              <a:rPr lang="en-IN" sz="1400" dirty="0"/>
               <a:t>,        </a:t>
             </a:r>
           </a:p>
@@ -7073,15 +7089,15 @@
               </a:spcBef>
             </a:pPr>
             <a:r>
-              <a:rPr lang="en-IN" sz="1600" dirty="0" err="1"/>
+              <a:rPr lang="en-IN" sz="1400" dirty="0" err="1"/>
               <a:t>horizontal_flip</a:t>
             </a:r>
             <a:r>
-              <a:rPr lang="en-IN" sz="1600" dirty="0" smtClean="0"/>
+              <a:rPr lang="en-IN" sz="1400" dirty="0" smtClean="0"/>
               <a:t>= True</a:t>
             </a:r>
             <a:r>
-              <a:rPr lang="en-IN" sz="1600" dirty="0"/>
+              <a:rPr lang="en-IN" sz="1400" dirty="0"/>
               <a:t>,</a:t>
             </a:r>
           </a:p>
@@ -7092,16 +7108,12 @@
               </a:spcBef>
             </a:pPr>
             <a:r>
-              <a:rPr lang="en-IN" sz="1600" dirty="0" err="1"/>
+              <a:rPr lang="en-IN" sz="1400" dirty="0" err="1"/>
               <a:t>vertical_flip</a:t>
             </a:r>
             <a:r>
-              <a:rPr lang="en-IN" sz="1600" dirty="0" smtClean="0"/>
-              <a:t>= </a:t>
-            </a:r>
-            <a:r>
-              <a:rPr lang="en-IN" sz="1600" dirty="0" smtClean="0"/>
-              <a:t>True</a:t>
+              <a:rPr lang="en-IN" sz="1400" dirty="0" smtClean="0"/>
+              <a:t>= True</a:t>
             </a:r>
           </a:p>
           <a:p>
@@ -7111,12 +7123,16 @@
               </a:spcBef>
             </a:pPr>
             <a:r>
-              <a:rPr lang="en-IN" sz="1600" dirty="0"/>
+              <a:rPr lang="en-IN" sz="1400" dirty="0"/>
               <a:t>s</a:t>
             </a:r>
             <a:r>
-              <a:rPr lang="en-IN" sz="1600" dirty="0" smtClean="0"/>
-              <a:t>huffle = False</a:t>
+              <a:rPr lang="en-IN" sz="1400" dirty="0" smtClean="0"/>
+              <a:t>huffle = </a:t>
+            </a:r>
+            <a:r>
+              <a:rPr lang="en-IN" sz="1400" dirty="0" smtClean="0"/>
+              <a:t>False</a:t>
             </a:r>
           </a:p>
           <a:p>
@@ -7126,7 +7142,7 @@
               </a:spcBef>
               <a:buNone/>
             </a:pPr>
-            <a:endParaRPr lang="en-IN" sz="1600" dirty="0"/>
+            <a:endParaRPr lang="en-IN" sz="1400" dirty="0"/>
           </a:p>
           <a:p>
             <a:pPr marL="0" indent="0" fontAlgn="base">
@@ -7136,11 +7152,11 @@
               <a:buNone/>
             </a:pPr>
             <a:r>
-              <a:rPr lang="en-IN" sz="1600" b="1" dirty="0" smtClean="0"/>
+              <a:rPr lang="en-IN" sz="1400" b="1" dirty="0" smtClean="0"/>
               <a:t>Validation/Test</a:t>
             </a:r>
             <a:r>
-              <a:rPr lang="en-IN" sz="1600" b="1" dirty="0"/>
+              <a:rPr lang="en-IN" sz="1400" b="1" dirty="0"/>
               <a:t>:</a:t>
             </a:r>
           </a:p>
@@ -7151,14 +7167,13 @@
               </a:spcBef>
             </a:pPr>
             <a:r>
-              <a:rPr lang="en-IN" sz="1600" dirty="0"/>
+              <a:rPr lang="en-IN" sz="1400" dirty="0"/>
               <a:t>rescale=1./</a:t>
             </a:r>
             <a:r>
-              <a:rPr lang="en-IN" sz="1600" dirty="0" smtClean="0"/>
+              <a:rPr lang="en-IN" sz="1400" dirty="0" smtClean="0"/>
               <a:t>255</a:t>
             </a:r>
-            <a:endParaRPr lang="en-IN" sz="1800" dirty="0" smtClean="0"/>
           </a:p>
           <a:p>
             <a:pPr marL="0" indent="0" fontAlgn="base">
@@ -7201,18 +7216,9 @@
               <a:buNone/>
             </a:pPr>
             <a:r>
-              <a:rPr lang="en-IN" sz="1400" dirty="0"/>
-              <a:t>These parameters and </a:t>
-            </a:r>
-            <a:r>
-              <a:rPr lang="en-IN" sz="1400" dirty="0"/>
-              <a:t>following parameters are finalized after multiple values were iterated</a:t>
-            </a:r>
-            <a:r>
-              <a:rPr lang="en-IN" sz="1400" dirty="0"/>
-              <a:t>.</a:t>
-            </a:r>
-            <a:endParaRPr lang="en-IN" sz="1400" dirty="0"/>
+              <a:rPr lang="en-IN" sz="1200" dirty="0"/>
+              <a:t>These parameters and following parameters are finalized after multiple values were iterated.</a:t>
+            </a:r>
           </a:p>
         </p:txBody>
       </p:sp>
